--- a/Lecture Slides/15 Spring JSON.pptx
+++ b/Lecture Slides/15 Spring JSON.pptx
@@ -238,7 +238,7 @@
             <a:fld id="{2B92EF69-4580-D948-9358-37D6C6E355D3}" type="datetimeFigureOut">
               <a:rPr lang="en-US" smtClean="0"/>
               <a:pPr/>
-              <a:t>11/23/2018</a:t>
+              <a:t>11/25/2018</a:t>
             </a:fld>
             <a:endParaRPr lang="en-US"/>
           </a:p>
@@ -406,7 +406,7 @@
             <a:fld id="{A2AF659B-3BFD-7C4F-8593-16CDDE7417A4}" type="datetimeFigureOut">
               <a:rPr lang="en-US" smtClean="0"/>
               <a:pPr/>
-              <a:t>11/23/2018</a:t>
+              <a:t>11/25/2018</a:t>
             </a:fld>
             <a:endParaRPr lang="en-US"/>
           </a:p>
@@ -4050,8 +4050,11 @@
           <a:p>
             <a:r>
               <a:rPr lang="en-GB" dirty="0"/>
-              <a:t>Provides basic features for read/writing JSON</a:t>
-            </a:r>
+              <a:t>Provides basic features for reading/writing JSON</a:t>
+            </a:r>
+          </a:p>
+          <a:p>
+            <a:endParaRPr lang="en-GB" dirty="0"/>
           </a:p>
           <a:p>
             <a:r>
@@ -4083,7 +4086,7 @@
         </p:blipFill>
         <p:spPr>
           <a:xfrm>
-            <a:off x="1066788" y="3713693"/>
+            <a:off x="1066788" y="3860450"/>
             <a:ext cx="6762064" cy="1366308"/>
           </a:xfrm>
           <a:prstGeom prst="rect">
@@ -4196,7 +4199,24 @@
           <a:p>
             <a:r>
               <a:rPr lang="en-GB" dirty="0"/>
-              <a:t>To provide an individual and collection structures</a:t>
+              <a:t>To provide individual and collection structures</a:t>
+            </a:r>
+          </a:p>
+          <a:p>
+            <a:pPr marL="0" indent="0">
+              <a:buNone/>
+            </a:pPr>
+            <a:r>
+              <a:rPr lang="en-GB" dirty="0"/>
+              <a:t>  (Basically extensions of HashMap and </a:t>
+            </a:r>
+            <a:r>
+              <a:rPr lang="en-GB" dirty="0" err="1"/>
+              <a:t>ArrayList</a:t>
+            </a:r>
+            <a:r>
+              <a:rPr lang="en-GB" dirty="0"/>
+              <a:t>)</a:t>
             </a:r>
           </a:p>
           <a:p>
@@ -4237,7 +4257,7 @@
           <a:p>
             <a:r>
               <a:rPr lang="en-GB" dirty="0"/>
-              <a:t>To pull out entities we use the “get” method…</a:t>
+              <a:t>To pull out entities, we use the “get” methods…</a:t>
             </a:r>
           </a:p>
         </p:txBody>
@@ -5661,7 +5681,7 @@
           <a:p>
             <a:r>
               <a:rPr lang="en-GB" dirty="0"/>
-              <a:t>When our method is called a project ID is passed in</a:t>
+              <a:t>When method is called, a project ID is passed in</a:t>
             </a:r>
           </a:p>
           <a:p>
@@ -10439,9 +10459,18 @@
               <a:buNone/>
             </a:pPr>
             <a:r>
-              <a:rPr lang="en-GB" sz="2200" dirty="0"/>
+              <a:rPr lang="en-GB" sz="2200" dirty="0">
+                <a:hlinkClick r:id="rId2"/>
+              </a:rPr>
               <a:t>http://odtp.herokuapp.com/?target=ancient_trees.zip</a:t>
             </a:r>
+            <a:endParaRPr lang="en-GB" sz="2200" dirty="0"/>
+          </a:p>
+          <a:p>
+            <a:pPr marL="0" indent="0" algn="ctr">
+              <a:buNone/>
+            </a:pPr>
+            <a:endParaRPr lang="en-GB" sz="2200" dirty="0"/>
           </a:p>
         </p:txBody>
       </p:sp>
@@ -10813,6 +10842,9 @@
               <a:rPr lang="en-GB" dirty="0"/>
               <a:t>Where values can be:</a:t>
             </a:r>
+          </a:p>
+          <a:p>
+            <a:endParaRPr lang="en-GB" sz="200" dirty="0"/>
           </a:p>
           <a:p>
             <a:pPr lvl="1"/>

--- a/Lecture Slides/15 Spring JSON.pptx
+++ b/Lecture Slides/15 Spring JSON.pptx
@@ -5,10 +5,10 @@
     <p:sldMasterId id="2147483684" r:id="rId1"/>
   </p:sldMasterIdLst>
   <p:notesMasterIdLst>
-    <p:notesMasterId r:id="rId29"/>
+    <p:notesMasterId r:id="rId26"/>
   </p:notesMasterIdLst>
   <p:handoutMasterIdLst>
-    <p:handoutMasterId r:id="rId30"/>
+    <p:handoutMasterId r:id="rId27"/>
   </p:handoutMasterIdLst>
   <p:sldIdLst>
     <p:sldId id="256" r:id="rId2"/>
@@ -35,9 +35,6 @@
     <p:sldId id="265" r:id="rId23"/>
     <p:sldId id="266" r:id="rId24"/>
     <p:sldId id="300" r:id="rId25"/>
-    <p:sldId id="298" r:id="rId26"/>
-    <p:sldId id="297" r:id="rId27"/>
-    <p:sldId id="296" r:id="rId28"/>
   </p:sldIdLst>
   <p:sldSz cx="9144000" cy="6858000" type="screen4x3"/>
   <p:notesSz cx="6858000" cy="9144000"/>
@@ -10255,335 +10252,6 @@
     <p:extLst>
       <p:ext uri="{BB962C8B-B14F-4D97-AF65-F5344CB8AC3E}">
         <p14:creationId xmlns:p14="http://schemas.microsoft.com/office/powerpoint/2010/main" val="1712285186"/>
-      </p:ext>
-    </p:extLst>
-  </p:cSld>
-  <p:clrMapOvr>
-    <a:masterClrMapping/>
-  </p:clrMapOvr>
-</p:sld>
-</file>
-
-<file path=ppt/slides/slide25.xml><?xml version="1.0" encoding="utf-8"?>
-<p:sld xmlns:a="http://schemas.openxmlformats.org/drawingml/2006/main" xmlns:r="http://schemas.openxmlformats.org/officeDocument/2006/relationships" xmlns:p="http://schemas.openxmlformats.org/presentationml/2006/main">
-  <p:cSld>
-    <p:spTree>
-      <p:nvGrpSpPr>
-        <p:cNvPr id="1" name=""/>
-        <p:cNvGrpSpPr/>
-        <p:nvPr/>
-      </p:nvGrpSpPr>
-      <p:grpSpPr>
-        <a:xfrm>
-          <a:off x="0" y="0"/>
-          <a:ext cx="0" cy="0"/>
-          <a:chOff x="0" y="0"/>
-          <a:chExt cx="0" cy="0"/>
-        </a:xfrm>
-      </p:grpSpPr>
-      <p:sp>
-        <p:nvSpPr>
-          <p:cNvPr id="4" name="Title 3">
-            <a:extLst>
-              <a:ext uri="{FF2B5EF4-FFF2-40B4-BE49-F238E27FC236}">
-                <a16:creationId xmlns:a16="http://schemas.microsoft.com/office/drawing/2014/main" id="{307DE43B-3D49-43E2-B207-6FD49C43A71F}"/>
-              </a:ext>
-            </a:extLst>
-          </p:cNvPr>
-          <p:cNvSpPr>
-            <a:spLocks noGrp="1"/>
-          </p:cNvSpPr>
-          <p:nvPr>
-            <p:ph type="title"/>
-          </p:nvPr>
-        </p:nvSpPr>
-        <p:spPr/>
-        <p:txBody>
-          <a:bodyPr/>
-          <a:lstStyle/>
-          <a:p>
-            <a:pPr algn="ctr"/>
-            <a:r>
-              <a:rPr lang="en-GB" dirty="0"/>
-              <a:t>Bonus Features !!!</a:t>
-            </a:r>
-            <a:br>
-              <a:rPr lang="en-GB" dirty="0"/>
-            </a:br>
-            <a:br>
-              <a:rPr lang="en-GB" dirty="0"/>
-            </a:br>
-            <a:endParaRPr lang="en-GB" dirty="0"/>
-          </a:p>
-        </p:txBody>
-      </p:sp>
-    </p:spTree>
-    <p:extLst>
-      <p:ext uri="{BB962C8B-B14F-4D97-AF65-F5344CB8AC3E}">
-        <p14:creationId xmlns:p14="http://schemas.microsoft.com/office/powerpoint/2010/main" val="2445165616"/>
-      </p:ext>
-    </p:extLst>
-  </p:cSld>
-  <p:clrMapOvr>
-    <a:masterClrMapping/>
-  </p:clrMapOvr>
-</p:sld>
-</file>
-
-<file path=ppt/slides/slide26.xml><?xml version="1.0" encoding="utf-8"?>
-<p:sld xmlns:a="http://schemas.openxmlformats.org/drawingml/2006/main" xmlns:r="http://schemas.openxmlformats.org/officeDocument/2006/relationships" xmlns:p="http://schemas.openxmlformats.org/presentationml/2006/main">
-  <p:cSld>
-    <p:spTree>
-      <p:nvGrpSpPr>
-        <p:cNvPr id="1" name=""/>
-        <p:cNvGrpSpPr/>
-        <p:nvPr/>
-      </p:nvGrpSpPr>
-      <p:grpSpPr>
-        <a:xfrm>
-          <a:off x="0" y="0"/>
-          <a:ext cx="0" cy="0"/>
-          <a:chOff x="0" y="0"/>
-          <a:chExt cx="0" cy="0"/>
-        </a:xfrm>
-      </p:grpSpPr>
-      <p:sp>
-        <p:nvSpPr>
-          <p:cNvPr id="2" name="Title 1">
-            <a:extLst>
-              <a:ext uri="{FF2B5EF4-FFF2-40B4-BE49-F238E27FC236}">
-                <a16:creationId xmlns:a16="http://schemas.microsoft.com/office/drawing/2014/main" id="{D09D0056-A8E2-4265-9531-0EE7AF843CD5}"/>
-              </a:ext>
-            </a:extLst>
-          </p:cNvPr>
-          <p:cNvSpPr>
-            <a:spLocks noGrp="1"/>
-          </p:cNvSpPr>
-          <p:nvPr>
-            <p:ph type="title"/>
-          </p:nvPr>
-        </p:nvSpPr>
-        <p:spPr/>
-        <p:txBody>
-          <a:bodyPr/>
-          <a:lstStyle/>
-          <a:p>
-            <a:r>
-              <a:rPr lang="en-GB" dirty="0"/>
-              <a:t>Open Data Translation Proxy</a:t>
-            </a:r>
-          </a:p>
-        </p:txBody>
-      </p:sp>
-      <p:sp>
-        <p:nvSpPr>
-          <p:cNvPr id="3" name="Content Placeholder 2">
-            <a:extLst>
-              <a:ext uri="{FF2B5EF4-FFF2-40B4-BE49-F238E27FC236}">
-                <a16:creationId xmlns:a16="http://schemas.microsoft.com/office/drawing/2014/main" id="{B6135668-44A1-4A02-B87E-983B9D03288A}"/>
-              </a:ext>
-            </a:extLst>
-          </p:cNvPr>
-          <p:cNvSpPr>
-            <a:spLocks noGrp="1"/>
-          </p:cNvSpPr>
-          <p:nvPr>
-            <p:ph idx="1"/>
-          </p:nvPr>
-        </p:nvSpPr>
-        <p:spPr/>
-        <p:txBody>
-          <a:bodyPr>
-            <a:normAutofit/>
-          </a:bodyPr>
-          <a:lstStyle/>
-          <a:p>
-            <a:r>
-              <a:rPr lang="en-GB" dirty="0"/>
-              <a:t>Project in collaboration with Plymouth City Council</a:t>
-            </a:r>
-          </a:p>
-          <a:p>
-            <a:r>
-              <a:rPr lang="en-GB" dirty="0"/>
-              <a:t>Improve access to their open data repository</a:t>
-            </a:r>
-          </a:p>
-          <a:p>
-            <a:r>
-              <a:rPr lang="en-GB" dirty="0"/>
-              <a:t>Web service intermediary between source : app</a:t>
-            </a:r>
-          </a:p>
-          <a:p>
-            <a:r>
-              <a:rPr lang="en-GB" dirty="0"/>
-              <a:t>Solve problems encountered by developers:</a:t>
-            </a:r>
-          </a:p>
-          <a:p>
-            <a:endParaRPr lang="en-GB" sz="200" dirty="0"/>
-          </a:p>
-          <a:p>
-            <a:pPr lvl="1"/>
-            <a:r>
-              <a:rPr lang="en-GB" sz="2200" dirty="0"/>
-              <a:t>Data packaged in zip files</a:t>
-            </a:r>
-          </a:p>
-          <a:p>
-            <a:pPr lvl="1"/>
-            <a:r>
-              <a:rPr lang="en-GB" sz="2200" dirty="0"/>
-              <a:t>Geolocation encoded as “Eastings &amp; Northings”</a:t>
-            </a:r>
-          </a:p>
-          <a:p>
-            <a:pPr lvl="1"/>
-            <a:r>
-              <a:rPr lang="en-GB" sz="2200" dirty="0"/>
-              <a:t>Everyone has to reinvent the “Plot on Map” wheel</a:t>
-            </a:r>
-          </a:p>
-          <a:p>
-            <a:endParaRPr lang="en-GB" sz="2200" dirty="0"/>
-          </a:p>
-          <a:p>
-            <a:r>
-              <a:rPr lang="en-GB" dirty="0"/>
-              <a:t>Let’s see a quick demo:</a:t>
-            </a:r>
-          </a:p>
-          <a:p>
-            <a:pPr marL="0" indent="0" algn="ctr">
-              <a:buNone/>
-            </a:pPr>
-            <a:r>
-              <a:rPr lang="en-GB" sz="2200" dirty="0">
-                <a:hlinkClick r:id="rId2"/>
-              </a:rPr>
-              <a:t>http://odtp.herokuapp.com/?target=ancient_trees.zip</a:t>
-            </a:r>
-            <a:endParaRPr lang="en-GB" sz="2200" dirty="0"/>
-          </a:p>
-          <a:p>
-            <a:pPr marL="0" indent="0" algn="ctr">
-              <a:buNone/>
-            </a:pPr>
-            <a:endParaRPr lang="en-GB" sz="2200" dirty="0"/>
-          </a:p>
-        </p:txBody>
-      </p:sp>
-    </p:spTree>
-    <p:extLst>
-      <p:ext uri="{BB962C8B-B14F-4D97-AF65-F5344CB8AC3E}">
-        <p14:creationId xmlns:p14="http://schemas.microsoft.com/office/powerpoint/2010/main" val="1958333856"/>
-      </p:ext>
-    </p:extLst>
-  </p:cSld>
-  <p:clrMapOvr>
-    <a:masterClrMapping/>
-  </p:clrMapOvr>
-</p:sld>
-</file>
-
-<file path=ppt/slides/slide27.xml><?xml version="1.0" encoding="utf-8"?>
-<p:sld xmlns:a="http://schemas.openxmlformats.org/drawingml/2006/main" xmlns:r="http://schemas.openxmlformats.org/officeDocument/2006/relationships" xmlns:p="http://schemas.openxmlformats.org/presentationml/2006/main">
-  <p:cSld>
-    <p:spTree>
-      <p:nvGrpSpPr>
-        <p:cNvPr id="1" name=""/>
-        <p:cNvGrpSpPr/>
-        <p:nvPr/>
-      </p:nvGrpSpPr>
-      <p:grpSpPr>
-        <a:xfrm>
-          <a:off x="0" y="0"/>
-          <a:ext cx="0" cy="0"/>
-          <a:chOff x="0" y="0"/>
-          <a:chExt cx="0" cy="0"/>
-        </a:xfrm>
-      </p:grpSpPr>
-      <p:sp>
-        <p:nvSpPr>
-          <p:cNvPr id="2" name="Title 1">
-            <a:extLst>
-              <a:ext uri="{FF2B5EF4-FFF2-40B4-BE49-F238E27FC236}">
-                <a16:creationId xmlns:a16="http://schemas.microsoft.com/office/drawing/2014/main" id="{CD3F13B5-98D2-4C83-A6C4-DA0E31B8D6D0}"/>
-              </a:ext>
-            </a:extLst>
-          </p:cNvPr>
-          <p:cNvSpPr>
-            <a:spLocks noGrp="1"/>
-          </p:cNvSpPr>
-          <p:nvPr>
-            <p:ph type="title"/>
-          </p:nvPr>
-        </p:nvSpPr>
-        <p:spPr/>
-        <p:txBody>
-          <a:bodyPr/>
-          <a:lstStyle/>
-          <a:p>
-            <a:r>
-              <a:rPr lang="en-GB" dirty="0"/>
-              <a:t>Heartwood App</a:t>
-            </a:r>
-          </a:p>
-        </p:txBody>
-      </p:sp>
-      <p:sp>
-        <p:nvSpPr>
-          <p:cNvPr id="3" name="Content Placeholder 2">
-            <a:extLst>
-              <a:ext uri="{FF2B5EF4-FFF2-40B4-BE49-F238E27FC236}">
-                <a16:creationId xmlns:a16="http://schemas.microsoft.com/office/drawing/2014/main" id="{009624FC-AC11-408C-ADBC-838306D15C7F}"/>
-              </a:ext>
-            </a:extLst>
-          </p:cNvPr>
-          <p:cNvSpPr>
-            <a:spLocks noGrp="1"/>
-          </p:cNvSpPr>
-          <p:nvPr>
-            <p:ph idx="1"/>
-          </p:nvPr>
-        </p:nvSpPr>
-        <p:spPr/>
-        <p:txBody>
-          <a:bodyPr/>
-          <a:lstStyle/>
-          <a:p>
-            <a:r>
-              <a:rPr lang="en-GB" dirty="0"/>
-              <a:t>With the data translation proxy in place</a:t>
-            </a:r>
-          </a:p>
-          <a:p>
-            <a:r>
-              <a:rPr lang="en-GB" dirty="0"/>
-              <a:t>It is much easier to build interactive apps</a:t>
-            </a:r>
-          </a:p>
-          <a:p>
-            <a:endParaRPr lang="en-GB" dirty="0"/>
-          </a:p>
-          <a:p>
-            <a:r>
-              <a:rPr lang="en-GB" dirty="0"/>
-              <a:t>For example:         </a:t>
-            </a:r>
-            <a:r>
-              <a:rPr lang="en-GB" dirty="0" err="1"/>
-              <a:t>HeartWoodDesktop</a:t>
-            </a:r>
-            <a:endParaRPr lang="en-GB" dirty="0"/>
-          </a:p>
-        </p:txBody>
-      </p:sp>
-    </p:spTree>
-    <p:extLst>
-      <p:ext uri="{BB962C8B-B14F-4D97-AF65-F5344CB8AC3E}">
-        <p14:creationId xmlns:p14="http://schemas.microsoft.com/office/powerpoint/2010/main" val="3530894701"/>
       </p:ext>
     </p:extLst>
   </p:cSld>
